--- a/costruzioni/immagini1.pptx
+++ b/costruzioni/immagini1.pptx
@@ -8,6 +8,7 @@
     <p:sldId id="256" r:id="rId2"/>
     <p:sldId id="257" r:id="rId3"/>
     <p:sldId id="258" r:id="rId4"/>
+    <p:sldId id="259" r:id="rId5"/>
   </p:sldIdLst>
   <p:sldSz cx="9144000" cy="6858000" type="screen4x3"/>
   <p:notesSz cx="6858000" cy="9144000"/>
@@ -290,7 +291,7 @@
           <a:p>
             <a:fld id="{0C70AF51-9140-5846-AE58-E4748101872F}" type="datetimeFigureOut">
               <a:rPr lang="it-IT" smtClean="0"/>
-              <a:t>11/11/19</a:t>
+              <a:t>13/11/19</a:t>
             </a:fld>
             <a:endParaRPr lang="it-IT"/>
           </a:p>
@@ -460,7 +461,7 @@
           <a:p>
             <a:fld id="{0C70AF51-9140-5846-AE58-E4748101872F}" type="datetimeFigureOut">
               <a:rPr lang="it-IT" smtClean="0"/>
-              <a:t>11/11/19</a:t>
+              <a:t>13/11/19</a:t>
             </a:fld>
             <a:endParaRPr lang="it-IT"/>
           </a:p>
@@ -640,7 +641,7 @@
           <a:p>
             <a:fld id="{0C70AF51-9140-5846-AE58-E4748101872F}" type="datetimeFigureOut">
               <a:rPr lang="it-IT" smtClean="0"/>
-              <a:t>11/11/19</a:t>
+              <a:t>13/11/19</a:t>
             </a:fld>
             <a:endParaRPr lang="it-IT"/>
           </a:p>
@@ -810,7 +811,7 @@
           <a:p>
             <a:fld id="{0C70AF51-9140-5846-AE58-E4748101872F}" type="datetimeFigureOut">
               <a:rPr lang="it-IT" smtClean="0"/>
-              <a:t>11/11/19</a:t>
+              <a:t>13/11/19</a:t>
             </a:fld>
             <a:endParaRPr lang="it-IT"/>
           </a:p>
@@ -1056,7 +1057,7 @@
           <a:p>
             <a:fld id="{0C70AF51-9140-5846-AE58-E4748101872F}" type="datetimeFigureOut">
               <a:rPr lang="it-IT" smtClean="0"/>
-              <a:t>11/11/19</a:t>
+              <a:t>13/11/19</a:t>
             </a:fld>
             <a:endParaRPr lang="it-IT"/>
           </a:p>
@@ -1344,7 +1345,7 @@
           <a:p>
             <a:fld id="{0C70AF51-9140-5846-AE58-E4748101872F}" type="datetimeFigureOut">
               <a:rPr lang="it-IT" smtClean="0"/>
-              <a:t>11/11/19</a:t>
+              <a:t>13/11/19</a:t>
             </a:fld>
             <a:endParaRPr lang="it-IT"/>
           </a:p>
@@ -1766,7 +1767,7 @@
           <a:p>
             <a:fld id="{0C70AF51-9140-5846-AE58-E4748101872F}" type="datetimeFigureOut">
               <a:rPr lang="it-IT" smtClean="0"/>
-              <a:t>11/11/19</a:t>
+              <a:t>13/11/19</a:t>
             </a:fld>
             <a:endParaRPr lang="it-IT"/>
           </a:p>
@@ -1884,7 +1885,7 @@
           <a:p>
             <a:fld id="{0C70AF51-9140-5846-AE58-E4748101872F}" type="datetimeFigureOut">
               <a:rPr lang="it-IT" smtClean="0"/>
-              <a:t>11/11/19</a:t>
+              <a:t>13/11/19</a:t>
             </a:fld>
             <a:endParaRPr lang="it-IT"/>
           </a:p>
@@ -1979,7 +1980,7 @@
           <a:p>
             <a:fld id="{0C70AF51-9140-5846-AE58-E4748101872F}" type="datetimeFigureOut">
               <a:rPr lang="it-IT" smtClean="0"/>
-              <a:t>11/11/19</a:t>
+              <a:t>13/11/19</a:t>
             </a:fld>
             <a:endParaRPr lang="it-IT"/>
           </a:p>
@@ -2256,7 +2257,7 @@
           <a:p>
             <a:fld id="{0C70AF51-9140-5846-AE58-E4748101872F}" type="datetimeFigureOut">
               <a:rPr lang="it-IT" smtClean="0"/>
-              <a:t>11/11/19</a:t>
+              <a:t>13/11/19</a:t>
             </a:fld>
             <a:endParaRPr lang="it-IT"/>
           </a:p>
@@ -2509,7 +2510,7 @@
           <a:p>
             <a:fld id="{0C70AF51-9140-5846-AE58-E4748101872F}" type="datetimeFigureOut">
               <a:rPr lang="it-IT" smtClean="0"/>
-              <a:t>11/11/19</a:t>
+              <a:t>13/11/19</a:t>
             </a:fld>
             <a:endParaRPr lang="it-IT"/>
           </a:p>
@@ -2722,7 +2723,7 @@
           <a:p>
             <a:fld id="{0C70AF51-9140-5846-AE58-E4748101872F}" type="datetimeFigureOut">
               <a:rPr lang="it-IT" smtClean="0"/>
-              <a:t>11/11/19</a:t>
+              <a:t>13/11/19</a:t>
             </a:fld>
             <a:endParaRPr lang="it-IT"/>
           </a:p>
@@ -3901,6 +3902,246 @@
     <p:extLst>
       <p:ext uri="{BB962C8B-B14F-4D97-AF65-F5344CB8AC3E}">
         <p14:creationId xmlns:p14="http://schemas.microsoft.com/office/powerpoint/2010/main" val="992820063"/>
+      </p:ext>
+    </p:extLst>
+  </p:cSld>
+  <p:clrMapOvr>
+    <a:masterClrMapping/>
+  </p:clrMapOvr>
+</p:sld>
+</file>
+
+<file path=ppt/slides/slide4.xml><?xml version="1.0" encoding="utf-8"?>
+<p:sld xmlns:a="http://schemas.openxmlformats.org/drawingml/2006/main" xmlns:r="http://schemas.openxmlformats.org/officeDocument/2006/relationships" xmlns:p="http://schemas.openxmlformats.org/presentationml/2006/main">
+  <p:cSld>
+    <p:spTree>
+      <p:nvGrpSpPr>
+        <p:cNvPr id="1" name=""/>
+        <p:cNvGrpSpPr/>
+        <p:nvPr/>
+      </p:nvGrpSpPr>
+      <p:grpSpPr>
+        <a:xfrm>
+          <a:off x="0" y="0"/>
+          <a:ext cx="0" cy="0"/>
+          <a:chOff x="0" y="0"/>
+          <a:chExt cx="0" cy="0"/>
+        </a:xfrm>
+      </p:grpSpPr>
+      <p:pic>
+        <p:nvPicPr>
+          <p:cNvPr id="4" name="Immagine 3" descr="cgr_logo.jpg"/>
+          <p:cNvPicPr>
+            <a:picLocks noChangeAspect="1"/>
+          </p:cNvPicPr>
+          <p:nvPr/>
+        </p:nvPicPr>
+        <p:blipFill>
+          <a:blip r:embed="rId2">
+            <a:extLst>
+              <a:ext uri="{28A0092B-C50C-407E-A947-70E740481C1C}">
+                <a14:useLocalDpi xmlns:a14="http://schemas.microsoft.com/office/drawing/2010/main" val="0"/>
+              </a:ext>
+            </a:extLst>
+          </a:blip>
+          <a:stretch>
+            <a:fillRect/>
+          </a:stretch>
+        </p:blipFill>
+        <p:spPr>
+          <a:xfrm>
+            <a:off x="640049" y="1371587"/>
+            <a:ext cx="2838778" cy="2838778"/>
+          </a:xfrm>
+          <a:prstGeom prst="rect">
+            <a:avLst/>
+          </a:prstGeom>
+        </p:spPr>
+      </p:pic>
+      <p:pic>
+        <p:nvPicPr>
+          <p:cNvPr id="5" name="Immagine 4" descr="cgr_logo_jug.jpg"/>
+          <p:cNvPicPr>
+            <a:picLocks noChangeAspect="1"/>
+          </p:cNvPicPr>
+          <p:nvPr/>
+        </p:nvPicPr>
+        <p:blipFill>
+          <a:blip r:embed="rId3">
+            <a:extLst>
+              <a:ext uri="{28A0092B-C50C-407E-A947-70E740481C1C}">
+                <a14:useLocalDpi xmlns:a14="http://schemas.microsoft.com/office/drawing/2010/main" val="0"/>
+              </a:ext>
+            </a:extLst>
+          </a:blip>
+          <a:stretch>
+            <a:fillRect/>
+          </a:stretch>
+        </p:blipFill>
+        <p:spPr>
+          <a:xfrm>
+            <a:off x="985171" y="4210365"/>
+            <a:ext cx="1059589" cy="1059589"/>
+          </a:xfrm>
+          <a:prstGeom prst="rect">
+            <a:avLst/>
+          </a:prstGeom>
+        </p:spPr>
+      </p:pic>
+      <p:pic>
+        <p:nvPicPr>
+          <p:cNvPr id="6" name="Immagine 5" descr="cgr_foto.jpg"/>
+          <p:cNvPicPr>
+            <a:picLocks noChangeAspect="1"/>
+          </p:cNvPicPr>
+          <p:nvPr/>
+        </p:nvPicPr>
+        <p:blipFill>
+          <a:blip r:embed="rId4">
+            <a:extLst>
+              <a:ext uri="{28A0092B-C50C-407E-A947-70E740481C1C}">
+                <a14:useLocalDpi xmlns:a14="http://schemas.microsoft.com/office/drawing/2010/main" val="0"/>
+              </a:ext>
+            </a:extLst>
+          </a:blip>
+          <a:stretch>
+            <a:fillRect/>
+          </a:stretch>
+        </p:blipFill>
+        <p:spPr>
+          <a:xfrm>
+            <a:off x="4182875" y="1130082"/>
+            <a:ext cx="2277803" cy="1708352"/>
+          </a:xfrm>
+          <a:prstGeom prst="rect">
+            <a:avLst/>
+          </a:prstGeom>
+        </p:spPr>
+      </p:pic>
+      <p:pic>
+        <p:nvPicPr>
+          <p:cNvPr id="8" name="Immagine 7" descr="cgr_foto3.jpg"/>
+          <p:cNvPicPr>
+            <a:picLocks noChangeAspect="1"/>
+          </p:cNvPicPr>
+          <p:nvPr/>
+        </p:nvPicPr>
+        <p:blipFill>
+          <a:blip r:embed="rId5">
+            <a:extLst>
+              <a:ext uri="{28A0092B-C50C-407E-A947-70E740481C1C}">
+                <a14:useLocalDpi xmlns:a14="http://schemas.microsoft.com/office/drawing/2010/main" val="0"/>
+              </a:ext>
+            </a:extLst>
+          </a:blip>
+          <a:stretch>
+            <a:fillRect/>
+          </a:stretch>
+        </p:blipFill>
+        <p:spPr>
+          <a:xfrm>
+            <a:off x="4431362" y="2678024"/>
+            <a:ext cx="2043121" cy="1532341"/>
+          </a:xfrm>
+          <a:prstGeom prst="rect">
+            <a:avLst/>
+          </a:prstGeom>
+        </p:spPr>
+      </p:pic>
+      <p:pic>
+        <p:nvPicPr>
+          <p:cNvPr id="10" name="Immagine 9" descr="cgr_foto9.jpg"/>
+          <p:cNvPicPr>
+            <a:picLocks noChangeAspect="1"/>
+          </p:cNvPicPr>
+          <p:nvPr/>
+        </p:nvPicPr>
+        <p:blipFill>
+          <a:blip r:embed="rId6">
+            <a:extLst>
+              <a:ext uri="{28A0092B-C50C-407E-A947-70E740481C1C}">
+                <a14:useLocalDpi xmlns:a14="http://schemas.microsoft.com/office/drawing/2010/main" val="0"/>
+              </a:ext>
+            </a:extLst>
+          </a:blip>
+          <a:stretch>
+            <a:fillRect/>
+          </a:stretch>
+        </p:blipFill>
+        <p:spPr>
+          <a:xfrm>
+            <a:off x="6225996" y="4112193"/>
+            <a:ext cx="2306788" cy="1535455"/>
+          </a:xfrm>
+          <a:prstGeom prst="rect">
+            <a:avLst/>
+          </a:prstGeom>
+        </p:spPr>
+      </p:pic>
+      <p:pic>
+        <p:nvPicPr>
+          <p:cNvPr id="7" name="Immagine 6" descr="cgr_foto2.jpeg"/>
+          <p:cNvPicPr>
+            <a:picLocks noChangeAspect="1"/>
+          </p:cNvPicPr>
+          <p:nvPr/>
+        </p:nvPicPr>
+        <p:blipFill>
+          <a:blip r:embed="rId7">
+            <a:extLst>
+              <a:ext uri="{28A0092B-C50C-407E-A947-70E740481C1C}">
+                <a14:useLocalDpi xmlns:a14="http://schemas.microsoft.com/office/drawing/2010/main" val="0"/>
+              </a:ext>
+            </a:extLst>
+          </a:blip>
+          <a:stretch>
+            <a:fillRect/>
+          </a:stretch>
+        </p:blipFill>
+        <p:spPr>
+          <a:xfrm>
+            <a:off x="5804101" y="1520751"/>
+            <a:ext cx="3090036" cy="2314545"/>
+          </a:xfrm>
+          <a:prstGeom prst="rect">
+            <a:avLst/>
+          </a:prstGeom>
+        </p:spPr>
+      </p:pic>
+      <p:pic>
+        <p:nvPicPr>
+          <p:cNvPr id="9" name="Immagine 8" descr="cgr_haskell.jpg"/>
+          <p:cNvPicPr>
+            <a:picLocks noChangeAspect="1"/>
+          </p:cNvPicPr>
+          <p:nvPr/>
+        </p:nvPicPr>
+        <p:blipFill>
+          <a:blip r:embed="rId8">
+            <a:extLst>
+              <a:ext uri="{28A0092B-C50C-407E-A947-70E740481C1C}">
+                <a14:useLocalDpi xmlns:a14="http://schemas.microsoft.com/office/drawing/2010/main" val="0"/>
+              </a:ext>
+            </a:extLst>
+          </a:blip>
+          <a:stretch>
+            <a:fillRect/>
+          </a:stretch>
+        </p:blipFill>
+        <p:spPr>
+          <a:xfrm>
+            <a:off x="4431362" y="4681378"/>
+            <a:ext cx="2208568" cy="1656426"/>
+          </a:xfrm>
+          <a:prstGeom prst="rect">
+            <a:avLst/>
+          </a:prstGeom>
+        </p:spPr>
+      </p:pic>
+    </p:spTree>
+    <p:extLst>
+      <p:ext uri="{BB962C8B-B14F-4D97-AF65-F5344CB8AC3E}">
+        <p14:creationId xmlns:p14="http://schemas.microsoft.com/office/powerpoint/2010/main" val="4252122833"/>
       </p:ext>
     </p:extLst>
   </p:cSld>
